--- a/files/continuos integration CONTINUOUS DEPLOYMENT with github basics.pptx
+++ b/files/continuos integration CONTINUOUS DEPLOYMENT with github basics.pptx
@@ -186,7 +186,7 @@
           <a:noFill/>
           <a:extLst>
             <a:ext uri="{909E8E84-426E-40dd-AFC4-6F175D3DCCD1}">
-              <a14:hiddenFill xmlns:a14="http://schemas.microsoft.com/office/drawing/2010/main" xmlns="">
+              <a14:hiddenFill xmlns="" xmlns:a14="http://schemas.microsoft.com/office/drawing/2010/main">
                 <a:solidFill>
                   <a:srgbClr val="FFFFFF"/>
                 </a:solidFill>
@@ -246,7 +246,7 @@
             </a:ln>
             <a:extLst>
               <a:ext uri="{91240B29-F687-4f45-9708-019B960494DF}">
-                <a14:hiddenLine xmlns:a14="http://schemas.microsoft.com/office/drawing/2010/main" xmlns="" w="9525">
+                <a14:hiddenLine xmlns="" xmlns:a14="http://schemas.microsoft.com/office/drawing/2010/main" w="9525">
                   <a:solidFill>
                     <a:srgbClr val="000000"/>
                   </a:solidFill>
@@ -336,7 +336,7 @@
             </a:ln>
             <a:extLst>
               <a:ext uri="{91240B29-F687-4f45-9708-019B960494DF}">
-                <a14:hiddenLine xmlns:a14="http://schemas.microsoft.com/office/drawing/2010/main" xmlns="" w="9525">
+                <a14:hiddenLine xmlns="" xmlns:a14="http://schemas.microsoft.com/office/drawing/2010/main" w="9525">
                   <a:solidFill>
                     <a:srgbClr val="000000"/>
                   </a:solidFill>
@@ -426,7 +426,7 @@
             </a:ln>
             <a:extLst>
               <a:ext uri="{91240B29-F687-4f45-9708-019B960494DF}">
-                <a14:hiddenLine xmlns:a14="http://schemas.microsoft.com/office/drawing/2010/main" xmlns="" w="9525">
+                <a14:hiddenLine xmlns="" xmlns:a14="http://schemas.microsoft.com/office/drawing/2010/main" w="9525">
                   <a:solidFill>
                     <a:srgbClr val="000000"/>
                   </a:solidFill>
@@ -460,7 +460,7 @@
             </a:ln>
             <a:extLst>
               <a:ext uri="{91240B29-F687-4f45-9708-019B960494DF}">
-                <a14:hiddenLine xmlns:a14="http://schemas.microsoft.com/office/drawing/2010/main" xmlns="" w="9525">
+                <a14:hiddenLine xmlns="" xmlns:a14="http://schemas.microsoft.com/office/drawing/2010/main" w="9525">
                   <a:solidFill>
                     <a:srgbClr val="000000"/>
                   </a:solidFill>
@@ -550,7 +550,7 @@
             </a:ln>
             <a:extLst>
               <a:ext uri="{91240B29-F687-4f45-9708-019B960494DF}">
-                <a14:hiddenLine xmlns:a14="http://schemas.microsoft.com/office/drawing/2010/main" xmlns="" w="9525">
+                <a14:hiddenLine xmlns="" xmlns:a14="http://schemas.microsoft.com/office/drawing/2010/main" w="9525">
                   <a:solidFill>
                     <a:srgbClr val="000000"/>
                   </a:solidFill>
@@ -612,7 +612,7 @@
             </a:ln>
             <a:extLst>
               <a:ext uri="{91240B29-F687-4f45-9708-019B960494DF}">
-                <a14:hiddenLine xmlns:a14="http://schemas.microsoft.com/office/drawing/2010/main" xmlns="" w="9525">
+                <a14:hiddenLine xmlns="" xmlns:a14="http://schemas.microsoft.com/office/drawing/2010/main" w="9525">
                   <a:solidFill>
                     <a:srgbClr val="000000"/>
                   </a:solidFill>
@@ -674,7 +674,7 @@
             </a:ln>
             <a:extLst>
               <a:ext uri="{91240B29-F687-4f45-9708-019B960494DF}">
-                <a14:hiddenLine xmlns:a14="http://schemas.microsoft.com/office/drawing/2010/main" xmlns="" w="9525">
+                <a14:hiddenLine xmlns="" xmlns:a14="http://schemas.microsoft.com/office/drawing/2010/main" w="9525">
                   <a:solidFill>
                     <a:srgbClr val="000000"/>
                   </a:solidFill>
@@ -764,7 +764,7 @@
             </a:ln>
             <a:extLst>
               <a:ext uri="{91240B29-F687-4f45-9708-019B960494DF}">
-                <a14:hiddenLine xmlns:a14="http://schemas.microsoft.com/office/drawing/2010/main" xmlns="" w="9525">
+                <a14:hiddenLine xmlns="" xmlns:a14="http://schemas.microsoft.com/office/drawing/2010/main" w="9525">
                   <a:solidFill>
                     <a:srgbClr val="000000"/>
                   </a:solidFill>
@@ -826,7 +826,7 @@
             </a:ln>
             <a:extLst>
               <a:ext uri="{91240B29-F687-4f45-9708-019B960494DF}">
-                <a14:hiddenLine xmlns:a14="http://schemas.microsoft.com/office/drawing/2010/main" xmlns="" w="9525">
+                <a14:hiddenLine xmlns="" xmlns:a14="http://schemas.microsoft.com/office/drawing/2010/main" w="9525">
                   <a:solidFill>
                     <a:srgbClr val="000000"/>
                   </a:solidFill>
@@ -888,7 +888,7 @@
             </a:ln>
             <a:extLst>
               <a:ext uri="{91240B29-F687-4f45-9708-019B960494DF}">
-                <a14:hiddenLine xmlns:a14="http://schemas.microsoft.com/office/drawing/2010/main" xmlns="" w="9525">
+                <a14:hiddenLine xmlns="" xmlns:a14="http://schemas.microsoft.com/office/drawing/2010/main" w="9525">
                   <a:solidFill>
                     <a:srgbClr val="000000"/>
                   </a:solidFill>
@@ -978,7 +978,7 @@
             </a:ln>
             <a:extLst>
               <a:ext uri="{91240B29-F687-4f45-9708-019B960494DF}">
-                <a14:hiddenLine xmlns:a14="http://schemas.microsoft.com/office/drawing/2010/main" xmlns="" w="9525">
+                <a14:hiddenLine xmlns="" xmlns:a14="http://schemas.microsoft.com/office/drawing/2010/main" w="9525">
                   <a:solidFill>
                     <a:srgbClr val="000000"/>
                   </a:solidFill>
@@ -1068,7 +1068,7 @@
             </a:ln>
             <a:extLst>
               <a:ext uri="{91240B29-F687-4f45-9708-019B960494DF}">
-                <a14:hiddenLine xmlns:a14="http://schemas.microsoft.com/office/drawing/2010/main" xmlns="" w="9525">
+                <a14:hiddenLine xmlns="" xmlns:a14="http://schemas.microsoft.com/office/drawing/2010/main" w="9525">
                   <a:solidFill>
                     <a:srgbClr val="000000"/>
                   </a:solidFill>
@@ -1130,7 +1130,7 @@
             </a:ln>
             <a:extLst>
               <a:ext uri="{91240B29-F687-4f45-9708-019B960494DF}">
-                <a14:hiddenLine xmlns:a14="http://schemas.microsoft.com/office/drawing/2010/main" xmlns="" w="9525">
+                <a14:hiddenLine xmlns="" xmlns:a14="http://schemas.microsoft.com/office/drawing/2010/main" w="9525">
                   <a:solidFill>
                     <a:srgbClr val="000000"/>
                   </a:solidFill>
@@ -1240,7 +1240,7 @@
             </a:ln>
             <a:extLst>
               <a:ext uri="{91240B29-F687-4f45-9708-019B960494DF}">
-                <a14:hiddenLine xmlns:a14="http://schemas.microsoft.com/office/drawing/2010/main" xmlns="" w="9525">
+                <a14:hiddenLine xmlns="" xmlns:a14="http://schemas.microsoft.com/office/drawing/2010/main" w="9525">
                   <a:solidFill>
                     <a:srgbClr val="000000"/>
                   </a:solidFill>
@@ -1302,7 +1302,7 @@
             </a:ln>
             <a:extLst>
               <a:ext uri="{91240B29-F687-4f45-9708-019B960494DF}">
-                <a14:hiddenLine xmlns:a14="http://schemas.microsoft.com/office/drawing/2010/main" xmlns="" w="9525">
+                <a14:hiddenLine xmlns="" xmlns:a14="http://schemas.microsoft.com/office/drawing/2010/main" w="9525">
                   <a:solidFill>
                     <a:srgbClr val="000000"/>
                   </a:solidFill>
@@ -1392,7 +1392,7 @@
             </a:ln>
             <a:extLst>
               <a:ext uri="{91240B29-F687-4f45-9708-019B960494DF}">
-                <a14:hiddenLine xmlns:a14="http://schemas.microsoft.com/office/drawing/2010/main" xmlns="" w="9525">
+                <a14:hiddenLine xmlns="" xmlns:a14="http://schemas.microsoft.com/office/drawing/2010/main" w="9525">
                   <a:solidFill>
                     <a:srgbClr val="000000"/>
                   </a:solidFill>
@@ -1482,7 +1482,7 @@
             </a:ln>
             <a:extLst>
               <a:ext uri="{91240B29-F687-4f45-9708-019B960494DF}">
-                <a14:hiddenLine xmlns:a14="http://schemas.microsoft.com/office/drawing/2010/main" xmlns="" w="9525">
+                <a14:hiddenLine xmlns="" xmlns:a14="http://schemas.microsoft.com/office/drawing/2010/main" w="9525">
                   <a:solidFill>
                     <a:srgbClr val="000000"/>
                   </a:solidFill>
@@ -1544,7 +1544,7 @@
             </a:ln>
             <a:extLst>
               <a:ext uri="{91240B29-F687-4f45-9708-019B960494DF}">
-                <a14:hiddenLine xmlns:a14="http://schemas.microsoft.com/office/drawing/2010/main" xmlns="" w="9525">
+                <a14:hiddenLine xmlns="" xmlns:a14="http://schemas.microsoft.com/office/drawing/2010/main" w="9525">
                   <a:solidFill>
                     <a:srgbClr val="000000"/>
                   </a:solidFill>
@@ -1634,7 +1634,7 @@
             </a:ln>
             <a:extLst>
               <a:ext uri="{91240B29-F687-4f45-9708-019B960494DF}">
-                <a14:hiddenLine xmlns:a14="http://schemas.microsoft.com/office/drawing/2010/main" xmlns="" w="9525">
+                <a14:hiddenLine xmlns="" xmlns:a14="http://schemas.microsoft.com/office/drawing/2010/main" w="9525">
                   <a:solidFill>
                     <a:srgbClr val="000000"/>
                   </a:solidFill>
@@ -1724,7 +1724,7 @@
             </a:ln>
             <a:extLst>
               <a:ext uri="{91240B29-F687-4f45-9708-019B960494DF}">
-                <a14:hiddenLine xmlns:a14="http://schemas.microsoft.com/office/drawing/2010/main" xmlns="" w="9525">
+                <a14:hiddenLine xmlns="" xmlns:a14="http://schemas.microsoft.com/office/drawing/2010/main" w="9525">
                   <a:solidFill>
                     <a:srgbClr val="000000"/>
                   </a:solidFill>
@@ -1780,7 +1780,7 @@
             </a:ln>
             <a:extLst>
               <a:ext uri="{91240B29-F687-4f45-9708-019B960494DF}">
-                <a14:hiddenLine xmlns:a14="http://schemas.microsoft.com/office/drawing/2010/main" xmlns="" w="9525">
+                <a14:hiddenLine xmlns="" xmlns:a14="http://schemas.microsoft.com/office/drawing/2010/main" w="9525">
                   <a:solidFill>
                     <a:srgbClr val="000000"/>
                   </a:solidFill>
@@ -1870,7 +1870,7 @@
             </a:ln>
             <a:extLst>
               <a:ext uri="{91240B29-F687-4f45-9708-019B960494DF}">
-                <a14:hiddenLine xmlns:a14="http://schemas.microsoft.com/office/drawing/2010/main" xmlns="" w="9525">
+                <a14:hiddenLine xmlns="" xmlns:a14="http://schemas.microsoft.com/office/drawing/2010/main" w="9525">
                   <a:solidFill>
                     <a:srgbClr val="000000"/>
                   </a:solidFill>
@@ -1926,7 +1926,7 @@
             </a:ln>
             <a:extLst>
               <a:ext uri="{91240B29-F687-4f45-9708-019B960494DF}">
-                <a14:hiddenLine xmlns:a14="http://schemas.microsoft.com/office/drawing/2010/main" xmlns="" w="9525">
+                <a14:hiddenLine xmlns="" xmlns:a14="http://schemas.microsoft.com/office/drawing/2010/main" w="9525">
                   <a:solidFill>
                     <a:srgbClr val="000000"/>
                   </a:solidFill>
@@ -2016,7 +2016,7 @@
             </a:ln>
             <a:extLst>
               <a:ext uri="{91240B29-F687-4f45-9708-019B960494DF}">
-                <a14:hiddenLine xmlns:a14="http://schemas.microsoft.com/office/drawing/2010/main" xmlns="" w="9525">
+                <a14:hiddenLine xmlns="" xmlns:a14="http://schemas.microsoft.com/office/drawing/2010/main" w="9525">
                   <a:solidFill>
                     <a:srgbClr val="000000"/>
                   </a:solidFill>
@@ -2084,7 +2084,7 @@
             </a:ln>
             <a:extLst>
               <a:ext uri="{91240B29-F687-4f45-9708-019B960494DF}">
-                <a14:hiddenLine xmlns:a14="http://schemas.microsoft.com/office/drawing/2010/main" xmlns="" w="9525">
+                <a14:hiddenLine xmlns="" xmlns:a14="http://schemas.microsoft.com/office/drawing/2010/main" w="9525">
                   <a:solidFill>
                     <a:srgbClr val="000000"/>
                   </a:solidFill>
@@ -2174,7 +2174,7 @@
             </a:ln>
             <a:extLst>
               <a:ext uri="{91240B29-F687-4f45-9708-019B960494DF}">
-                <a14:hiddenLine xmlns:a14="http://schemas.microsoft.com/office/drawing/2010/main" xmlns="" w="9525">
+                <a14:hiddenLine xmlns="" xmlns:a14="http://schemas.microsoft.com/office/drawing/2010/main" w="9525">
                   <a:solidFill>
                     <a:srgbClr val="000000"/>
                   </a:solidFill>
@@ -2242,7 +2242,7 @@
             </a:ln>
             <a:extLst>
               <a:ext uri="{91240B29-F687-4f45-9708-019B960494DF}">
-                <a14:hiddenLine xmlns:a14="http://schemas.microsoft.com/office/drawing/2010/main" xmlns="" w="9525">
+                <a14:hiddenLine xmlns="" xmlns:a14="http://schemas.microsoft.com/office/drawing/2010/main" w="9525">
                   <a:solidFill>
                     <a:srgbClr val="000000"/>
                   </a:solidFill>
@@ -2332,7 +2332,7 @@
             </a:ln>
             <a:extLst>
               <a:ext uri="{91240B29-F687-4f45-9708-019B960494DF}">
-                <a14:hiddenLine xmlns:a14="http://schemas.microsoft.com/office/drawing/2010/main" xmlns="" w="9525">
+                <a14:hiddenLine xmlns="" xmlns:a14="http://schemas.microsoft.com/office/drawing/2010/main" w="9525">
                   <a:solidFill>
                     <a:srgbClr val="000000"/>
                   </a:solidFill>
@@ -2366,7 +2366,7 @@
             </a:ln>
             <a:extLst>
               <a:ext uri="{91240B29-F687-4f45-9708-019B960494DF}">
-                <a14:hiddenLine xmlns:a14="http://schemas.microsoft.com/office/drawing/2010/main" xmlns="" w="9525">
+                <a14:hiddenLine xmlns="" xmlns:a14="http://schemas.microsoft.com/office/drawing/2010/main" w="9525">
                   <a:solidFill>
                     <a:srgbClr val="000000"/>
                   </a:solidFill>
@@ -2456,7 +2456,7 @@
             </a:ln>
             <a:extLst>
               <a:ext uri="{91240B29-F687-4f45-9708-019B960494DF}">
-                <a14:hiddenLine xmlns:a14="http://schemas.microsoft.com/office/drawing/2010/main" xmlns="" w="9525">
+                <a14:hiddenLine xmlns="" xmlns:a14="http://schemas.microsoft.com/office/drawing/2010/main" w="9525">
                   <a:solidFill>
                     <a:srgbClr val="000000"/>
                   </a:solidFill>
@@ -2518,7 +2518,7 @@
             </a:ln>
             <a:extLst>
               <a:ext uri="{91240B29-F687-4f45-9708-019B960494DF}">
-                <a14:hiddenLine xmlns:a14="http://schemas.microsoft.com/office/drawing/2010/main" xmlns="" w="9525">
+                <a14:hiddenLine xmlns="" xmlns:a14="http://schemas.microsoft.com/office/drawing/2010/main" w="9525">
                   <a:solidFill>
                     <a:srgbClr val="000000"/>
                   </a:solidFill>
@@ -2580,7 +2580,7 @@
             </a:ln>
             <a:extLst>
               <a:ext uri="{91240B29-F687-4f45-9708-019B960494DF}">
-                <a14:hiddenLine xmlns:a14="http://schemas.microsoft.com/office/drawing/2010/main" xmlns="" w="9525">
+                <a14:hiddenLine xmlns="" xmlns:a14="http://schemas.microsoft.com/office/drawing/2010/main" w="9525">
                   <a:solidFill>
                     <a:srgbClr val="000000"/>
                   </a:solidFill>
@@ -2670,7 +2670,7 @@
             </a:ln>
             <a:extLst>
               <a:ext uri="{91240B29-F687-4f45-9708-019B960494DF}">
-                <a14:hiddenLine xmlns:a14="http://schemas.microsoft.com/office/drawing/2010/main" xmlns="" w="9525">
+                <a14:hiddenLine xmlns="" xmlns:a14="http://schemas.microsoft.com/office/drawing/2010/main" w="9525">
                   <a:solidFill>
                     <a:srgbClr val="000000"/>
                   </a:solidFill>
@@ -2738,7 +2738,7 @@
             </a:ln>
             <a:extLst>
               <a:ext uri="{91240B29-F687-4f45-9708-019B960494DF}">
-                <a14:hiddenLine xmlns:a14="http://schemas.microsoft.com/office/drawing/2010/main" xmlns="" w="9525">
+                <a14:hiddenLine xmlns="" xmlns:a14="http://schemas.microsoft.com/office/drawing/2010/main" w="9525">
                   <a:solidFill>
                     <a:srgbClr val="000000"/>
                   </a:solidFill>
@@ -2800,7 +2800,7 @@
             </a:ln>
             <a:extLst>
               <a:ext uri="{91240B29-F687-4f45-9708-019B960494DF}">
-                <a14:hiddenLine xmlns:a14="http://schemas.microsoft.com/office/drawing/2010/main" xmlns="" w="9525">
+                <a14:hiddenLine xmlns="" xmlns:a14="http://schemas.microsoft.com/office/drawing/2010/main" w="9525">
                   <a:solidFill>
                     <a:srgbClr val="000000"/>
                   </a:solidFill>
@@ -2890,7 +2890,7 @@
             </a:ln>
             <a:extLst>
               <a:ext uri="{91240B29-F687-4f45-9708-019B960494DF}">
-                <a14:hiddenLine xmlns:a14="http://schemas.microsoft.com/office/drawing/2010/main" xmlns="" w="9525">
+                <a14:hiddenLine xmlns="" xmlns:a14="http://schemas.microsoft.com/office/drawing/2010/main" w="9525">
                   <a:solidFill>
                     <a:srgbClr val="000000"/>
                   </a:solidFill>
@@ -2952,7 +2952,7 @@
             </a:ln>
             <a:extLst>
               <a:ext uri="{91240B29-F687-4f45-9708-019B960494DF}">
-                <a14:hiddenLine xmlns:a14="http://schemas.microsoft.com/office/drawing/2010/main" xmlns="" w="9525">
+                <a14:hiddenLine xmlns="" xmlns:a14="http://schemas.microsoft.com/office/drawing/2010/main" w="9525">
                   <a:solidFill>
                     <a:srgbClr val="000000"/>
                   </a:solidFill>
@@ -3042,7 +3042,7 @@
             </a:ln>
             <a:extLst>
               <a:ext uri="{91240B29-F687-4f45-9708-019B960494DF}">
-                <a14:hiddenLine xmlns:a14="http://schemas.microsoft.com/office/drawing/2010/main" xmlns="" w="9525">
+                <a14:hiddenLine xmlns="" xmlns:a14="http://schemas.microsoft.com/office/drawing/2010/main" w="9525">
                   <a:solidFill>
                     <a:srgbClr val="000000"/>
                   </a:solidFill>
@@ -3104,7 +3104,7 @@
             </a:ln>
             <a:extLst>
               <a:ext uri="{91240B29-F687-4f45-9708-019B960494DF}">
-                <a14:hiddenLine xmlns:a14="http://schemas.microsoft.com/office/drawing/2010/main" xmlns="" w="9525">
+                <a14:hiddenLine xmlns="" xmlns:a14="http://schemas.microsoft.com/office/drawing/2010/main" w="9525">
                   <a:solidFill>
                     <a:srgbClr val="000000"/>
                   </a:solidFill>
@@ -3194,7 +3194,7 @@
             </a:ln>
             <a:extLst>
               <a:ext uri="{91240B29-F687-4f45-9708-019B960494DF}">
-                <a14:hiddenLine xmlns:a14="http://schemas.microsoft.com/office/drawing/2010/main" xmlns="" w="9525">
+                <a14:hiddenLine xmlns="" xmlns:a14="http://schemas.microsoft.com/office/drawing/2010/main" w="9525">
                   <a:solidFill>
                     <a:srgbClr val="000000"/>
                   </a:solidFill>
@@ -3228,7 +3228,7 @@
             </a:ln>
             <a:extLst>
               <a:ext uri="{91240B29-F687-4f45-9708-019B960494DF}">
-                <a14:hiddenLine xmlns:a14="http://schemas.microsoft.com/office/drawing/2010/main" xmlns="" w="9525">
+                <a14:hiddenLine xmlns="" xmlns:a14="http://schemas.microsoft.com/office/drawing/2010/main" w="9525">
                   <a:solidFill>
                     <a:srgbClr val="000000"/>
                   </a:solidFill>
@@ -3293,7 +3293,7 @@
             </a:ln>
             <a:extLst>
               <a:ext uri="{91240B29-F687-4f45-9708-019B960494DF}">
-                <a14:hiddenLine xmlns:a14="http://schemas.microsoft.com/office/drawing/2010/main" xmlns="" w="9525">
+                <a14:hiddenLine xmlns="" xmlns:a14="http://schemas.microsoft.com/office/drawing/2010/main" w="9525">
                   <a:solidFill>
                     <a:srgbClr val="000000"/>
                   </a:solidFill>
@@ -3383,7 +3383,7 @@
             </a:ln>
             <a:extLst>
               <a:ext uri="{91240B29-F687-4f45-9708-019B960494DF}">
-                <a14:hiddenLine xmlns:a14="http://schemas.microsoft.com/office/drawing/2010/main" xmlns="" w="9525">
+                <a14:hiddenLine xmlns="" xmlns:a14="http://schemas.microsoft.com/office/drawing/2010/main" w="9525">
                   <a:solidFill>
                     <a:srgbClr val="000000"/>
                   </a:solidFill>
@@ -3445,7 +3445,7 @@
             </a:ln>
             <a:extLst>
               <a:ext uri="{91240B29-F687-4f45-9708-019B960494DF}">
-                <a14:hiddenLine xmlns:a14="http://schemas.microsoft.com/office/drawing/2010/main" xmlns="" w="9525">
+                <a14:hiddenLine xmlns="" xmlns:a14="http://schemas.microsoft.com/office/drawing/2010/main" w="9525">
                   <a:solidFill>
                     <a:srgbClr val="000000"/>
                   </a:solidFill>
@@ -3535,7 +3535,7 @@
             </a:ln>
             <a:extLst>
               <a:ext uri="{91240B29-F687-4f45-9708-019B960494DF}">
-                <a14:hiddenLine xmlns:a14="http://schemas.microsoft.com/office/drawing/2010/main" xmlns="" w="9525">
+                <a14:hiddenLine xmlns="" xmlns:a14="http://schemas.microsoft.com/office/drawing/2010/main" w="9525">
                   <a:solidFill>
                     <a:srgbClr val="000000"/>
                   </a:solidFill>
@@ -3625,7 +3625,7 @@
             </a:ln>
             <a:extLst>
               <a:ext uri="{91240B29-F687-4f45-9708-019B960494DF}">
-                <a14:hiddenLine xmlns:a14="http://schemas.microsoft.com/office/drawing/2010/main" xmlns="" w="9525">
+                <a14:hiddenLine xmlns="" xmlns:a14="http://schemas.microsoft.com/office/drawing/2010/main" w="9525">
                   <a:solidFill>
                     <a:srgbClr val="000000"/>
                   </a:solidFill>
@@ -3690,7 +3690,7 @@
             </a:ln>
             <a:extLst>
               <a:ext uri="{91240B29-F687-4f45-9708-019B960494DF}">
-                <a14:hiddenLine xmlns:a14="http://schemas.microsoft.com/office/drawing/2010/main" xmlns="" w="9525">
+                <a14:hiddenLine xmlns="" xmlns:a14="http://schemas.microsoft.com/office/drawing/2010/main" w="9525">
                   <a:solidFill>
                     <a:srgbClr val="000000"/>
                   </a:solidFill>
@@ -3752,7 +3752,7 @@
             </a:ln>
             <a:extLst>
               <a:ext uri="{91240B29-F687-4f45-9708-019B960494DF}">
-                <a14:hiddenLine xmlns:a14="http://schemas.microsoft.com/office/drawing/2010/main" xmlns="" w="9525">
+                <a14:hiddenLine xmlns="" xmlns:a14="http://schemas.microsoft.com/office/drawing/2010/main" w="9525">
                   <a:solidFill>
                     <a:srgbClr val="000000"/>
                   </a:solidFill>
@@ -3842,7 +3842,7 @@
             </a:ln>
             <a:extLst>
               <a:ext uri="{91240B29-F687-4f45-9708-019B960494DF}">
-                <a14:hiddenLine xmlns:a14="http://schemas.microsoft.com/office/drawing/2010/main" xmlns="" w="9525">
+                <a14:hiddenLine xmlns="" xmlns:a14="http://schemas.microsoft.com/office/drawing/2010/main" w="9525">
                   <a:solidFill>
                     <a:srgbClr val="000000"/>
                   </a:solidFill>
@@ -3932,7 +3932,7 @@
             </a:ln>
             <a:extLst>
               <a:ext uri="{91240B29-F687-4f45-9708-019B960494DF}">
-                <a14:hiddenLine xmlns:a14="http://schemas.microsoft.com/office/drawing/2010/main" xmlns="" w="9525">
+                <a14:hiddenLine xmlns="" xmlns:a14="http://schemas.microsoft.com/office/drawing/2010/main" w="9525">
                   <a:solidFill>
                     <a:srgbClr val="000000"/>
                   </a:solidFill>
@@ -3994,7 +3994,7 @@
             </a:ln>
             <a:extLst>
               <a:ext uri="{91240B29-F687-4f45-9708-019B960494DF}">
-                <a14:hiddenLine xmlns:a14="http://schemas.microsoft.com/office/drawing/2010/main" xmlns="" w="9525">
+                <a14:hiddenLine xmlns="" xmlns:a14="http://schemas.microsoft.com/office/drawing/2010/main" w="9525">
                   <a:solidFill>
                     <a:srgbClr val="000000"/>
                   </a:solidFill>
@@ -4114,7 +4114,7 @@
             </a:ln>
             <a:extLst>
               <a:ext uri="{91240B29-F687-4f45-9708-019B960494DF}">
-                <a14:hiddenLine xmlns:a14="http://schemas.microsoft.com/office/drawing/2010/main" xmlns="" w="9525">
+                <a14:hiddenLine xmlns="" xmlns:a14="http://schemas.microsoft.com/office/drawing/2010/main" w="9525">
                   <a:solidFill>
                     <a:srgbClr val="000000"/>
                   </a:solidFill>
@@ -4182,7 +4182,7 @@
             </a:ln>
             <a:extLst>
               <a:ext uri="{91240B29-F687-4f45-9708-019B960494DF}">
-                <a14:hiddenLine xmlns:a14="http://schemas.microsoft.com/office/drawing/2010/main" xmlns="" w="9525">
+                <a14:hiddenLine xmlns="" xmlns:a14="http://schemas.microsoft.com/office/drawing/2010/main" w="9525">
                   <a:solidFill>
                     <a:srgbClr val="000000"/>
                   </a:solidFill>
@@ -4272,7 +4272,7 @@
             </a:ln>
             <a:extLst>
               <a:ext uri="{91240B29-F687-4f45-9708-019B960494DF}">
-                <a14:hiddenLine xmlns:a14="http://schemas.microsoft.com/office/drawing/2010/main" xmlns="" w="9525">
+                <a14:hiddenLine xmlns="" xmlns:a14="http://schemas.microsoft.com/office/drawing/2010/main" w="9525">
                   <a:solidFill>
                     <a:srgbClr val="000000"/>
                   </a:solidFill>
@@ -8994,7 +8994,7 @@
           <a:noFill/>
           <a:extLst>
             <a:ext uri="{909E8E84-426E-40dd-AFC4-6F175D3DCCD1}">
-              <a14:hiddenFill xmlns:a14="http://schemas.microsoft.com/office/drawing/2010/main" xmlns="">
+              <a14:hiddenFill xmlns="" xmlns:a14="http://schemas.microsoft.com/office/drawing/2010/main">
                 <a:solidFill>
                   <a:srgbClr val="FFFFFF"/>
                 </a:solidFill>
@@ -9068,7 +9068,7 @@
               </a:ln>
               <a:extLst>
                 <a:ext uri="{91240B29-F687-4f45-9708-019B960494DF}">
-                  <a14:hiddenLine xmlns:a14="http://schemas.microsoft.com/office/drawing/2010/main" xmlns="" w="9525">
+                  <a14:hiddenLine xmlns="" xmlns:a14="http://schemas.microsoft.com/office/drawing/2010/main" w="9525">
                     <a:solidFill>
                       <a:srgbClr val="000000"/>
                     </a:solidFill>
@@ -9158,7 +9158,7 @@
               </a:ln>
               <a:extLst>
                 <a:ext uri="{91240B29-F687-4f45-9708-019B960494DF}">
-                  <a14:hiddenLine xmlns:a14="http://schemas.microsoft.com/office/drawing/2010/main" xmlns="" w="9525">
+                  <a14:hiddenLine xmlns="" xmlns:a14="http://schemas.microsoft.com/office/drawing/2010/main" w="9525">
                     <a:solidFill>
                       <a:srgbClr val="000000"/>
                     </a:solidFill>
@@ -9248,7 +9248,7 @@
               </a:ln>
               <a:extLst>
                 <a:ext uri="{91240B29-F687-4f45-9708-019B960494DF}">
-                  <a14:hiddenLine xmlns:a14="http://schemas.microsoft.com/office/drawing/2010/main" xmlns="" w="9525">
+                  <a14:hiddenLine xmlns="" xmlns:a14="http://schemas.microsoft.com/office/drawing/2010/main" w="9525">
                     <a:solidFill>
                       <a:srgbClr val="000000"/>
                     </a:solidFill>
@@ -9310,7 +9310,7 @@
               </a:ln>
               <a:extLst>
                 <a:ext uri="{91240B29-F687-4f45-9708-019B960494DF}">
-                  <a14:hiddenLine xmlns:a14="http://schemas.microsoft.com/office/drawing/2010/main" xmlns="" w="9525">
+                  <a14:hiddenLine xmlns="" xmlns:a14="http://schemas.microsoft.com/office/drawing/2010/main" w="9525">
                     <a:solidFill>
                       <a:srgbClr val="000000"/>
                     </a:solidFill>
@@ -9400,7 +9400,7 @@
               </a:ln>
               <a:extLst>
                 <a:ext uri="{91240B29-F687-4f45-9708-019B960494DF}">
-                  <a14:hiddenLine xmlns:a14="http://schemas.microsoft.com/office/drawing/2010/main" xmlns="" w="9525">
+                  <a14:hiddenLine xmlns="" xmlns:a14="http://schemas.microsoft.com/office/drawing/2010/main" w="9525">
                     <a:solidFill>
                       <a:srgbClr val="000000"/>
                     </a:solidFill>
@@ -9462,7 +9462,7 @@
               </a:ln>
               <a:extLst>
                 <a:ext uri="{91240B29-F687-4f45-9708-019B960494DF}">
-                  <a14:hiddenLine xmlns:a14="http://schemas.microsoft.com/office/drawing/2010/main" xmlns="" w="9525">
+                  <a14:hiddenLine xmlns="" xmlns:a14="http://schemas.microsoft.com/office/drawing/2010/main" w="9525">
                     <a:solidFill>
                       <a:srgbClr val="000000"/>
                     </a:solidFill>
@@ -9524,7 +9524,7 @@
               </a:ln>
               <a:extLst>
                 <a:ext uri="{91240B29-F687-4f45-9708-019B960494DF}">
-                  <a14:hiddenLine xmlns:a14="http://schemas.microsoft.com/office/drawing/2010/main" xmlns="" w="9525">
+                  <a14:hiddenLine xmlns="" xmlns:a14="http://schemas.microsoft.com/office/drawing/2010/main" w="9525">
                     <a:solidFill>
                       <a:srgbClr val="000000"/>
                     </a:solidFill>
@@ -9614,7 +9614,7 @@
               </a:ln>
               <a:extLst>
                 <a:ext uri="{91240B29-F687-4f45-9708-019B960494DF}">
-                  <a14:hiddenLine xmlns:a14="http://schemas.microsoft.com/office/drawing/2010/main" xmlns="" w="9525">
+                  <a14:hiddenLine xmlns="" xmlns:a14="http://schemas.microsoft.com/office/drawing/2010/main" w="9525">
                     <a:solidFill>
                       <a:srgbClr val="000000"/>
                     </a:solidFill>
@@ -9704,7 +9704,7 @@
               </a:ln>
               <a:extLst>
                 <a:ext uri="{91240B29-F687-4f45-9708-019B960494DF}">
-                  <a14:hiddenLine xmlns:a14="http://schemas.microsoft.com/office/drawing/2010/main" xmlns="" w="9525">
+                  <a14:hiddenLine xmlns="" xmlns:a14="http://schemas.microsoft.com/office/drawing/2010/main" w="9525">
                     <a:solidFill>
                       <a:srgbClr val="000000"/>
                     </a:solidFill>
@@ -9766,7 +9766,7 @@
               </a:ln>
               <a:extLst>
                 <a:ext uri="{91240B29-F687-4f45-9708-019B960494DF}">
-                  <a14:hiddenLine xmlns:a14="http://schemas.microsoft.com/office/drawing/2010/main" xmlns="" w="9525">
+                  <a14:hiddenLine xmlns="" xmlns:a14="http://schemas.microsoft.com/office/drawing/2010/main" w="9525">
                     <a:solidFill>
                       <a:srgbClr val="000000"/>
                     </a:solidFill>
@@ -9876,7 +9876,7 @@
               </a:ln>
               <a:extLst>
                 <a:ext uri="{91240B29-F687-4f45-9708-019B960494DF}">
-                  <a14:hiddenLine xmlns:a14="http://schemas.microsoft.com/office/drawing/2010/main" xmlns="" w="9525">
+                  <a14:hiddenLine xmlns="" xmlns:a14="http://schemas.microsoft.com/office/drawing/2010/main" w="9525">
                     <a:solidFill>
                       <a:srgbClr val="000000"/>
                     </a:solidFill>
@@ -9960,7 +9960,7 @@
               </a:ln>
               <a:extLst>
                 <a:ext uri="{91240B29-F687-4f45-9708-019B960494DF}">
-                  <a14:hiddenLine xmlns:a14="http://schemas.microsoft.com/office/drawing/2010/main" xmlns="" w="9525">
+                  <a14:hiddenLine xmlns="" xmlns:a14="http://schemas.microsoft.com/office/drawing/2010/main" w="9525">
                     <a:solidFill>
                       <a:srgbClr val="000000"/>
                     </a:solidFill>
@@ -10022,7 +10022,7 @@
               </a:ln>
               <a:extLst>
                 <a:ext uri="{91240B29-F687-4f45-9708-019B960494DF}">
-                  <a14:hiddenLine xmlns:a14="http://schemas.microsoft.com/office/drawing/2010/main" xmlns="" w="9525">
+                  <a14:hiddenLine xmlns="" xmlns:a14="http://schemas.microsoft.com/office/drawing/2010/main" w="9525">
                     <a:solidFill>
                       <a:srgbClr val="000000"/>
                     </a:solidFill>
@@ -10084,7 +10084,7 @@
               </a:ln>
               <a:extLst>
                 <a:ext uri="{91240B29-F687-4f45-9708-019B960494DF}">
-                  <a14:hiddenLine xmlns:a14="http://schemas.microsoft.com/office/drawing/2010/main" xmlns="" w="9525">
+                  <a14:hiddenLine xmlns="" xmlns:a14="http://schemas.microsoft.com/office/drawing/2010/main" w="9525">
                     <a:solidFill>
                       <a:srgbClr val="000000"/>
                     </a:solidFill>
@@ -10174,7 +10174,7 @@
               </a:ln>
               <a:extLst>
                 <a:ext uri="{91240B29-F687-4f45-9708-019B960494DF}">
-                  <a14:hiddenLine xmlns:a14="http://schemas.microsoft.com/office/drawing/2010/main" xmlns="" w="9525">
+                  <a14:hiddenLine xmlns="" xmlns:a14="http://schemas.microsoft.com/office/drawing/2010/main" w="9525">
                     <a:solidFill>
                       <a:srgbClr val="000000"/>
                     </a:solidFill>
@@ -10208,7 +10208,7 @@
               </a:ln>
               <a:extLst>
                 <a:ext uri="{91240B29-F687-4f45-9708-019B960494DF}">
-                  <a14:hiddenLine xmlns:a14="http://schemas.microsoft.com/office/drawing/2010/main" xmlns="" w="9525">
+                  <a14:hiddenLine xmlns="" xmlns:a14="http://schemas.microsoft.com/office/drawing/2010/main" w="9525">
                     <a:solidFill>
                       <a:srgbClr val="000000"/>
                     </a:solidFill>
@@ -10273,7 +10273,7 @@
               </a:ln>
               <a:extLst>
                 <a:ext uri="{91240B29-F687-4f45-9708-019B960494DF}">
-                  <a14:hiddenLine xmlns:a14="http://schemas.microsoft.com/office/drawing/2010/main" xmlns="" w="9525">
+                  <a14:hiddenLine xmlns="" xmlns:a14="http://schemas.microsoft.com/office/drawing/2010/main" w="9525">
                     <a:solidFill>
                       <a:srgbClr val="000000"/>
                     </a:solidFill>
@@ -10363,7 +10363,7 @@
               </a:ln>
               <a:extLst>
                 <a:ext uri="{91240B29-F687-4f45-9708-019B960494DF}">
-                  <a14:hiddenLine xmlns:a14="http://schemas.microsoft.com/office/drawing/2010/main" xmlns="" w="9525">
+                  <a14:hiddenLine xmlns="" xmlns:a14="http://schemas.microsoft.com/office/drawing/2010/main" w="9525">
                     <a:solidFill>
                       <a:srgbClr val="000000"/>
                     </a:solidFill>
@@ -10425,7 +10425,7 @@
               </a:ln>
               <a:extLst>
                 <a:ext uri="{91240B29-F687-4f45-9708-019B960494DF}">
-                  <a14:hiddenLine xmlns:a14="http://schemas.microsoft.com/office/drawing/2010/main" xmlns="" w="9525">
+                  <a14:hiddenLine xmlns="" xmlns:a14="http://schemas.microsoft.com/office/drawing/2010/main" w="9525">
                     <a:solidFill>
                       <a:srgbClr val="000000"/>
                     </a:solidFill>
@@ -10515,7 +10515,7 @@
               </a:ln>
               <a:extLst>
                 <a:ext uri="{91240B29-F687-4f45-9708-019B960494DF}">
-                  <a14:hiddenLine xmlns:a14="http://schemas.microsoft.com/office/drawing/2010/main" xmlns="" w="9525">
+                  <a14:hiddenLine xmlns="" xmlns:a14="http://schemas.microsoft.com/office/drawing/2010/main" w="9525">
                     <a:solidFill>
                       <a:srgbClr val="000000"/>
                     </a:solidFill>
@@ -10580,7 +10580,7 @@
               </a:ln>
               <a:extLst>
                 <a:ext uri="{91240B29-F687-4f45-9708-019B960494DF}">
-                  <a14:hiddenLine xmlns:a14="http://schemas.microsoft.com/office/drawing/2010/main" xmlns="" w="9525">
+                  <a14:hiddenLine xmlns="" xmlns:a14="http://schemas.microsoft.com/office/drawing/2010/main" w="9525">
                     <a:solidFill>
                       <a:srgbClr val="000000"/>
                     </a:solidFill>
@@ -10642,7 +10642,7 @@
               </a:ln>
               <a:extLst>
                 <a:ext uri="{91240B29-F687-4f45-9708-019B960494DF}">
-                  <a14:hiddenLine xmlns:a14="http://schemas.microsoft.com/office/drawing/2010/main" xmlns="" w="9525">
+                  <a14:hiddenLine xmlns="" xmlns:a14="http://schemas.microsoft.com/office/drawing/2010/main" w="9525">
                     <a:solidFill>
                       <a:srgbClr val="000000"/>
                     </a:solidFill>
@@ -10732,7 +10732,7 @@
               </a:ln>
               <a:extLst>
                 <a:ext uri="{91240B29-F687-4f45-9708-019B960494DF}">
-                  <a14:hiddenLine xmlns:a14="http://schemas.microsoft.com/office/drawing/2010/main" xmlns="" w="9525">
+                  <a14:hiddenLine xmlns="" xmlns:a14="http://schemas.microsoft.com/office/drawing/2010/main" w="9525">
                     <a:solidFill>
                       <a:srgbClr val="000000"/>
                     </a:solidFill>
@@ -10822,7 +10822,7 @@
               </a:ln>
               <a:extLst>
                 <a:ext uri="{91240B29-F687-4f45-9708-019B960494DF}">
-                  <a14:hiddenLine xmlns:a14="http://schemas.microsoft.com/office/drawing/2010/main" xmlns="" w="9525">
+                  <a14:hiddenLine xmlns="" xmlns:a14="http://schemas.microsoft.com/office/drawing/2010/main" w="9525">
                     <a:solidFill>
                       <a:srgbClr val="000000"/>
                     </a:solidFill>
@@ -10887,7 +10887,7 @@
               </a:ln>
               <a:extLst>
                 <a:ext uri="{91240B29-F687-4f45-9708-019B960494DF}">
-                  <a14:hiddenLine xmlns:a14="http://schemas.microsoft.com/office/drawing/2010/main" xmlns="" w="9525">
+                  <a14:hiddenLine xmlns="" xmlns:a14="http://schemas.microsoft.com/office/drawing/2010/main" w="9525">
                     <a:solidFill>
                       <a:srgbClr val="000000"/>
                     </a:solidFill>
@@ -11007,7 +11007,7 @@
               </a:ln>
               <a:extLst>
                 <a:ext uri="{91240B29-F687-4f45-9708-019B960494DF}">
-                  <a14:hiddenLine xmlns:a14="http://schemas.microsoft.com/office/drawing/2010/main" xmlns="" w="9525">
+                  <a14:hiddenLine xmlns="" xmlns:a14="http://schemas.microsoft.com/office/drawing/2010/main" w="9525">
                     <a:solidFill>
                       <a:srgbClr val="000000"/>
                     </a:solidFill>
@@ -11105,7 +11105,7 @@
               </a:ln>
               <a:extLst>
                 <a:ext uri="{91240B29-F687-4f45-9708-019B960494DF}">
-                  <a14:hiddenLine xmlns:a14="http://schemas.microsoft.com/office/drawing/2010/main" xmlns="" w="9525">
+                  <a14:hiddenLine xmlns="" xmlns:a14="http://schemas.microsoft.com/office/drawing/2010/main" w="9525">
                     <a:solidFill>
                       <a:srgbClr val="000000"/>
                     </a:solidFill>
@@ -11220,7 +11220,7 @@
               </a:ln>
               <a:extLst>
                 <a:ext uri="{91240B29-F687-4f45-9708-019B960494DF}">
-                  <a14:hiddenLine xmlns:a14="http://schemas.microsoft.com/office/drawing/2010/main" xmlns="" w="9525">
+                  <a14:hiddenLine xmlns="" xmlns:a14="http://schemas.microsoft.com/office/drawing/2010/main" w="9525">
                     <a:solidFill>
                       <a:srgbClr val="000000"/>
                     </a:solidFill>
@@ -11310,7 +11310,7 @@
               </a:ln>
               <a:extLst>
                 <a:ext uri="{91240B29-F687-4f45-9708-019B960494DF}">
-                  <a14:hiddenLine xmlns:a14="http://schemas.microsoft.com/office/drawing/2010/main" xmlns="" w="9525">
+                  <a14:hiddenLine xmlns="" xmlns:a14="http://schemas.microsoft.com/office/drawing/2010/main" w="9525">
                     <a:solidFill>
                       <a:srgbClr val="000000"/>
                     </a:solidFill>
@@ -11375,7 +11375,7 @@
               </a:ln>
               <a:extLst>
                 <a:ext uri="{91240B29-F687-4f45-9708-019B960494DF}">
-                  <a14:hiddenLine xmlns:a14="http://schemas.microsoft.com/office/drawing/2010/main" xmlns="" w="9525">
+                  <a14:hiddenLine xmlns="" xmlns:a14="http://schemas.microsoft.com/office/drawing/2010/main" w="9525">
                     <a:solidFill>
                       <a:srgbClr val="000000"/>
                     </a:solidFill>
@@ -11465,7 +11465,7 @@
               </a:ln>
               <a:extLst>
                 <a:ext uri="{91240B29-F687-4f45-9708-019B960494DF}">
-                  <a14:hiddenLine xmlns:a14="http://schemas.microsoft.com/office/drawing/2010/main" xmlns="" w="9525">
+                  <a14:hiddenLine xmlns="" xmlns:a14="http://schemas.microsoft.com/office/drawing/2010/main" w="9525">
                     <a:solidFill>
                       <a:srgbClr val="000000"/>
                     </a:solidFill>
@@ -11533,7 +11533,7 @@
               </a:ln>
               <a:extLst>
                 <a:ext uri="{91240B29-F687-4f45-9708-019B960494DF}">
-                  <a14:hiddenLine xmlns:a14="http://schemas.microsoft.com/office/drawing/2010/main" xmlns="" w="9525">
+                  <a14:hiddenLine xmlns="" xmlns:a14="http://schemas.microsoft.com/office/drawing/2010/main" w="9525">
                     <a:solidFill>
                       <a:srgbClr val="000000"/>
                     </a:solidFill>
@@ -11623,7 +11623,7 @@
               </a:ln>
               <a:extLst>
                 <a:ext uri="{91240B29-F687-4f45-9708-019B960494DF}">
-                  <a14:hiddenLine xmlns:a14="http://schemas.microsoft.com/office/drawing/2010/main" xmlns="" w="9525">
+                  <a14:hiddenLine xmlns="" xmlns:a14="http://schemas.microsoft.com/office/drawing/2010/main" w="9525">
                     <a:solidFill>
                       <a:srgbClr val="000000"/>
                     </a:solidFill>
@@ -11691,7 +11691,7 @@
               </a:ln>
               <a:extLst>
                 <a:ext uri="{91240B29-F687-4f45-9708-019B960494DF}">
-                  <a14:hiddenLine xmlns:a14="http://schemas.microsoft.com/office/drawing/2010/main" xmlns="" w="9525">
+                  <a14:hiddenLine xmlns="" xmlns:a14="http://schemas.microsoft.com/office/drawing/2010/main" w="9525">
                     <a:solidFill>
                       <a:srgbClr val="000000"/>
                     </a:solidFill>
@@ -11781,7 +11781,7 @@
               </a:ln>
               <a:extLst>
                 <a:ext uri="{91240B29-F687-4f45-9708-019B960494DF}">
-                  <a14:hiddenLine xmlns:a14="http://schemas.microsoft.com/office/drawing/2010/main" xmlns="" w="9525">
+                  <a14:hiddenLine xmlns="" xmlns:a14="http://schemas.microsoft.com/office/drawing/2010/main" w="9525">
                     <a:solidFill>
                       <a:srgbClr val="000000"/>
                     </a:solidFill>
@@ -11815,7 +11815,7 @@
               </a:ln>
               <a:extLst>
                 <a:ext uri="{91240B29-F687-4f45-9708-019B960494DF}">
-                  <a14:hiddenLine xmlns:a14="http://schemas.microsoft.com/office/drawing/2010/main" xmlns="" w="9525">
+                  <a14:hiddenLine xmlns="" xmlns:a14="http://schemas.microsoft.com/office/drawing/2010/main" w="9525">
                     <a:solidFill>
                       <a:srgbClr val="000000"/>
                     </a:solidFill>
@@ -12395,7 +12395,7 @@
           <a:p>
             <a:r>
               <a:rPr lang="en-US" dirty="0"/>
-              <a:t>continuous integration and continuous deployment with GitHub basics</a:t>
+              <a:t>Continuous Integration Basics with GitHub Actions</a:t>
             </a:r>
           </a:p>
         </p:txBody>
@@ -13166,7 +13166,7 @@
             </a:pPr>
             <a:r>
               <a:rPr lang="en-US" dirty="0"/>
-              <a:t> Q&amp;A session</a:t>
+              <a:t>Actions and Workflow Limits</a:t>
             </a:r>
           </a:p>
           <a:p>
@@ -13175,8 +13175,8 @@
               <a:buChar char="q"/>
             </a:pPr>
             <a:r>
-              <a:rPr lang="en-US" dirty="0"/>
-              <a:t> Actions and Workflow Limits</a:t>
+              <a:rPr lang="en-US"/>
+              <a:t>Q&amp;A session</a:t>
             </a:r>
           </a:p>
         </p:txBody>
